--- a/Assets/Uxdoc/리버스 디펜스 _  프로젝트.pptx
+++ b/Assets/Uxdoc/리버스 디펜스 _  프로젝트.pptx
@@ -289,7 +289,7 @@
             <a:fld id="{FAC9EDAF-8EDC-4CD3-9D22-044FC31438E3}" type="datetimeFigureOut">
               <a:rPr lang="ko-KR" altLang="en-US" smtClean="0"/>
               <a:pPr/>
-              <a:t>2021-09-22</a:t>
+              <a:t>2021-09-23</a:t>
             </a:fld>
             <a:endParaRPr lang="ko-KR" altLang="en-US"/>
           </a:p>
@@ -456,7 +456,7 @@
             <a:fld id="{FAC9EDAF-8EDC-4CD3-9D22-044FC31438E3}" type="datetimeFigureOut">
               <a:rPr lang="ko-KR" altLang="en-US" smtClean="0"/>
               <a:pPr/>
-              <a:t>2021-09-22</a:t>
+              <a:t>2021-09-23</a:t>
             </a:fld>
             <a:endParaRPr lang="ko-KR" altLang="en-US"/>
           </a:p>
@@ -633,7 +633,7 @@
             <a:fld id="{FAC9EDAF-8EDC-4CD3-9D22-044FC31438E3}" type="datetimeFigureOut">
               <a:rPr lang="ko-KR" altLang="en-US" smtClean="0"/>
               <a:pPr/>
-              <a:t>2021-09-22</a:t>
+              <a:t>2021-09-23</a:t>
             </a:fld>
             <a:endParaRPr lang="ko-KR" altLang="en-US"/>
           </a:p>
@@ -800,7 +800,7 @@
             <a:fld id="{FAC9EDAF-8EDC-4CD3-9D22-044FC31438E3}" type="datetimeFigureOut">
               <a:rPr lang="ko-KR" altLang="en-US" smtClean="0"/>
               <a:pPr/>
-              <a:t>2021-09-22</a:t>
+              <a:t>2021-09-23</a:t>
             </a:fld>
             <a:endParaRPr lang="ko-KR" altLang="en-US"/>
           </a:p>
@@ -1044,7 +1044,7 @@
             <a:fld id="{FAC9EDAF-8EDC-4CD3-9D22-044FC31438E3}" type="datetimeFigureOut">
               <a:rPr lang="ko-KR" altLang="en-US" smtClean="0"/>
               <a:pPr/>
-              <a:t>2021-09-22</a:t>
+              <a:t>2021-09-23</a:t>
             </a:fld>
             <a:endParaRPr lang="ko-KR" altLang="en-US"/>
           </a:p>
@@ -1310,7 +1310,7 @@
             <a:fld id="{FAC9EDAF-8EDC-4CD3-9D22-044FC31438E3}" type="datetimeFigureOut">
               <a:rPr lang="ko-KR" altLang="en-US" smtClean="0"/>
               <a:pPr/>
-              <a:t>2021-09-22</a:t>
+              <a:t>2021-09-23</a:t>
             </a:fld>
             <a:endParaRPr lang="ko-KR" altLang="en-US"/>
           </a:p>
@@ -1690,7 +1690,7 @@
             <a:fld id="{FAC9EDAF-8EDC-4CD3-9D22-044FC31438E3}" type="datetimeFigureOut">
               <a:rPr lang="ko-KR" altLang="en-US" smtClean="0"/>
               <a:pPr/>
-              <a:t>2021-09-22</a:t>
+              <a:t>2021-09-23</a:t>
             </a:fld>
             <a:endParaRPr lang="ko-KR" altLang="en-US"/>
           </a:p>
@@ -1842,7 +1842,7 @@
             <a:fld id="{FAC9EDAF-8EDC-4CD3-9D22-044FC31438E3}" type="datetimeFigureOut">
               <a:rPr lang="ko-KR" altLang="en-US" smtClean="0"/>
               <a:pPr/>
-              <a:t>2021-09-22</a:t>
+              <a:t>2021-09-23</a:t>
             </a:fld>
             <a:endParaRPr lang="ko-KR" altLang="en-US"/>
           </a:p>
@@ -1934,7 +1934,7 @@
             <a:fld id="{FAC9EDAF-8EDC-4CD3-9D22-044FC31438E3}" type="datetimeFigureOut">
               <a:rPr lang="ko-KR" altLang="en-US" smtClean="0"/>
               <a:pPr/>
-              <a:t>2021-09-22</a:t>
+              <a:t>2021-09-23</a:t>
             </a:fld>
             <a:endParaRPr lang="ko-KR" altLang="en-US"/>
           </a:p>
@@ -2197,7 +2197,7 @@
             <a:fld id="{FAC9EDAF-8EDC-4CD3-9D22-044FC31438E3}" type="datetimeFigureOut">
               <a:rPr lang="ko-KR" altLang="en-US" smtClean="0"/>
               <a:pPr/>
-              <a:t>2021-09-22</a:t>
+              <a:t>2021-09-23</a:t>
             </a:fld>
             <a:endParaRPr lang="ko-KR" altLang="en-US"/>
           </a:p>
@@ -2487,7 +2487,7 @@
             <a:fld id="{FAC9EDAF-8EDC-4CD3-9D22-044FC31438E3}" type="datetimeFigureOut">
               <a:rPr lang="ko-KR" altLang="en-US" smtClean="0"/>
               <a:pPr/>
-              <a:t>2021-09-22</a:t>
+              <a:t>2021-09-23</a:t>
             </a:fld>
             <a:endParaRPr lang="ko-KR" altLang="en-US"/>
           </a:p>
@@ -3260,7 +3260,7 @@
             <a:fld id="{FAC9EDAF-8EDC-4CD3-9D22-044FC31438E3}" type="datetimeFigureOut">
               <a:rPr lang="ko-KR" altLang="en-US" smtClean="0"/>
               <a:pPr/>
-              <a:t>2021-09-22</a:t>
+              <a:t>2021-09-23</a:t>
             </a:fld>
             <a:endParaRPr lang="ko-KR" altLang="en-US"/>
           </a:p>
@@ -4584,10 +4584,6 @@
               </a:rPr>
               <a:t> </a:t>
             </a:r>
-            <a:endParaRPr lang="en-US" altLang="ko-KR" sz="1000" b="1" dirty="0" smtClean="0">
-              <a:latin typeface="HY동녘M" pitchFamily="18" charset="-127"/>
-              <a:ea typeface="HY동녘M" pitchFamily="18" charset="-127"/>
-            </a:endParaRPr>
           </a:p>
         </p:txBody>
       </p:sp>
@@ -8418,7 +8414,7 @@
         </p:nvSpPr>
         <p:spPr>
           <a:xfrm>
-            <a:off x="6000760" y="1428736"/>
+            <a:off x="5857884" y="1357298"/>
             <a:ext cx="500066" cy="285752"/>
           </a:xfrm>
           <a:prstGeom prst="mathMultiply">
@@ -8473,8 +8469,8 @@
         </p:nvSpPr>
         <p:spPr>
           <a:xfrm>
-            <a:off x="5286380" y="1428736"/>
-            <a:ext cx="1071570" cy="285752"/>
+            <a:off x="5072066" y="1357298"/>
+            <a:ext cx="1214446" cy="285752"/>
           </a:xfrm>
           <a:prstGeom prst="rect">
             <a:avLst/>
@@ -10332,6 +10328,101 @@
           <a:effectLst/>
         </p:spPr>
       </p:pic>
+      <p:grpSp>
+        <p:nvGrpSpPr>
+          <p:cNvPr id="49" name="그룹 48"/>
+          <p:cNvGrpSpPr/>
+          <p:nvPr/>
+        </p:nvGrpSpPr>
+        <p:grpSpPr>
+          <a:xfrm>
+            <a:off x="6286512" y="1428736"/>
+            <a:ext cx="214314" cy="214314"/>
+            <a:chOff x="5143504" y="1571612"/>
+            <a:chExt cx="214314" cy="214314"/>
+          </a:xfrm>
+        </p:grpSpPr>
+        <p:sp>
+          <p:nvSpPr>
+            <p:cNvPr id="47" name="직사각형 46"/>
+            <p:cNvSpPr/>
+            <p:nvPr/>
+          </p:nvSpPr>
+          <p:spPr>
+            <a:xfrm>
+              <a:off x="5286380" y="1571612"/>
+              <a:ext cx="71438" cy="214314"/>
+            </a:xfrm>
+            <a:prstGeom prst="rect">
+              <a:avLst/>
+            </a:prstGeom>
+          </p:spPr>
+          <p:style>
+            <a:lnRef idx="2">
+              <a:schemeClr val="accent1">
+                <a:shade val="50000"/>
+              </a:schemeClr>
+            </a:lnRef>
+            <a:fillRef idx="1">
+              <a:schemeClr val="accent1"/>
+            </a:fillRef>
+            <a:effectRef idx="0">
+              <a:schemeClr val="accent1"/>
+            </a:effectRef>
+            <a:fontRef idx="minor">
+              <a:schemeClr val="lt1"/>
+            </a:fontRef>
+          </p:style>
+          <p:txBody>
+            <a:bodyPr rtlCol="0" anchor="ctr"/>
+            <a:lstStyle/>
+            <a:p>
+              <a:pPr algn="ctr"/>
+              <a:endParaRPr lang="ko-KR" altLang="en-US"/>
+            </a:p>
+          </p:txBody>
+        </p:sp>
+        <p:sp>
+          <p:nvSpPr>
+            <p:cNvPr id="48" name="직사각형 47"/>
+            <p:cNvSpPr/>
+            <p:nvPr/>
+          </p:nvSpPr>
+          <p:spPr>
+            <a:xfrm>
+              <a:off x="5143504" y="1571612"/>
+              <a:ext cx="71438" cy="214314"/>
+            </a:xfrm>
+            <a:prstGeom prst="rect">
+              <a:avLst/>
+            </a:prstGeom>
+          </p:spPr>
+          <p:style>
+            <a:lnRef idx="2">
+              <a:schemeClr val="accent1">
+                <a:shade val="50000"/>
+              </a:schemeClr>
+            </a:lnRef>
+            <a:fillRef idx="1">
+              <a:schemeClr val="accent1"/>
+            </a:fillRef>
+            <a:effectRef idx="0">
+              <a:schemeClr val="accent1"/>
+            </a:effectRef>
+            <a:fontRef idx="minor">
+              <a:schemeClr val="lt1"/>
+            </a:fontRef>
+          </p:style>
+          <p:txBody>
+            <a:bodyPr rtlCol="0" anchor="ctr"/>
+            <a:lstStyle/>
+            <a:p>
+              <a:pPr algn="ctr"/>
+              <a:endParaRPr lang="ko-KR" altLang="en-US"/>
+            </a:p>
+          </p:txBody>
+        </p:sp>
+      </p:grpSp>
     </p:spTree>
   </p:cSld>
   <p:clrMapOvr>
@@ -10763,115 +10854,6 @@
           </a:p>
         </p:txBody>
       </p:sp>
-      <p:sp>
-        <p:nvSpPr>
-          <p:cNvPr id="37" name="곱셈 기호 36"/>
-          <p:cNvSpPr/>
-          <p:nvPr/>
-        </p:nvSpPr>
-        <p:spPr>
-          <a:xfrm>
-            <a:off x="6000760" y="1428736"/>
-            <a:ext cx="500066" cy="285752"/>
-          </a:xfrm>
-          <a:prstGeom prst="mathMultiply">
-            <a:avLst/>
-          </a:prstGeom>
-          <a:solidFill>
-            <a:schemeClr val="accent3">
-              <a:lumMod val="75000"/>
-            </a:schemeClr>
-          </a:solidFill>
-        </p:spPr>
-        <p:style>
-          <a:lnRef idx="2">
-            <a:schemeClr val="accent1">
-              <a:shade val="50000"/>
-            </a:schemeClr>
-          </a:lnRef>
-          <a:fillRef idx="1">
-            <a:schemeClr val="accent1"/>
-          </a:fillRef>
-          <a:effectRef idx="0">
-            <a:schemeClr val="accent1"/>
-          </a:effectRef>
-          <a:fontRef idx="minor">
-            <a:schemeClr val="lt1"/>
-          </a:fontRef>
-        </p:style>
-        <p:txBody>
-          <a:bodyPr rtlCol="0" anchor="ctr"/>
-          <a:lstStyle/>
-          <a:p>
-            <a:pPr algn="ctr"/>
-            <a:r>
-              <a:rPr lang="en-US" altLang="ko-KR" sz="1000" b="1" dirty="0" smtClean="0">
-                <a:latin typeface="HY목각파임B" pitchFamily="18" charset="-127"/>
-                <a:ea typeface="HY목각파임B" pitchFamily="18" charset="-127"/>
-              </a:rPr>
-              <a:t>2</a:t>
-            </a:r>
-            <a:endParaRPr lang="ko-KR" altLang="en-US" sz="1000" b="1" dirty="0">
-              <a:latin typeface="HY목각파임B" pitchFamily="18" charset="-127"/>
-              <a:ea typeface="HY목각파임B" pitchFamily="18" charset="-127"/>
-            </a:endParaRPr>
-          </a:p>
-        </p:txBody>
-      </p:sp>
-      <p:sp>
-        <p:nvSpPr>
-          <p:cNvPr id="39" name="직사각형 38"/>
-          <p:cNvSpPr/>
-          <p:nvPr/>
-        </p:nvSpPr>
-        <p:spPr>
-          <a:xfrm>
-            <a:off x="5286380" y="1428736"/>
-            <a:ext cx="1071570" cy="285752"/>
-          </a:xfrm>
-          <a:prstGeom prst="rect">
-            <a:avLst/>
-          </a:prstGeom>
-          <a:noFill/>
-          <a:ln>
-            <a:noFill/>
-          </a:ln>
-        </p:spPr>
-        <p:style>
-          <a:lnRef idx="2">
-            <a:schemeClr val="accent1">
-              <a:shade val="50000"/>
-            </a:schemeClr>
-          </a:lnRef>
-          <a:fillRef idx="1">
-            <a:schemeClr val="accent1"/>
-          </a:fillRef>
-          <a:effectRef idx="0">
-            <a:schemeClr val="accent1"/>
-          </a:effectRef>
-          <a:fontRef idx="minor">
-            <a:schemeClr val="lt1"/>
-          </a:fontRef>
-        </p:style>
-        <p:txBody>
-          <a:bodyPr rtlCol="0" anchor="ctr"/>
-          <a:lstStyle/>
-          <a:p>
-            <a:pPr algn="ctr"/>
-            <a:r>
-              <a:rPr lang="ko-KR" altLang="en-US" sz="900" dirty="0" smtClean="0">
-                <a:latin typeface="HY목각파임B" pitchFamily="18" charset="-127"/>
-                <a:ea typeface="HY목각파임B" pitchFamily="18" charset="-127"/>
-              </a:rPr>
-              <a:t>게임속도</a:t>
-            </a:r>
-            <a:endParaRPr lang="ko-KR" altLang="en-US" sz="900" dirty="0">
-              <a:latin typeface="HY목각파임B" pitchFamily="18" charset="-127"/>
-              <a:ea typeface="HY목각파임B" pitchFamily="18" charset="-127"/>
-            </a:endParaRPr>
-          </a:p>
-        </p:txBody>
-      </p:sp>
       <p:pic>
         <p:nvPicPr>
           <p:cNvPr id="40" name="Picture 2"/>
@@ -12456,19 +12438,8 @@
                 <a:latin typeface="HY동녘M" pitchFamily="18" charset="-127"/>
                 <a:ea typeface="HY동녘M" pitchFamily="18" charset="-127"/>
               </a:rPr>
-              <a:t>0</a:t>
-            </a:r>
-            <a:r>
-              <a:rPr lang="en-US" altLang="ko-KR" sz="1000" b="1" dirty="0" smtClean="0">
-                <a:latin typeface="HY동녘M" pitchFamily="18" charset="-127"/>
-                <a:ea typeface="HY동녘M" pitchFamily="18" charset="-127"/>
-              </a:rPr>
-              <a:t>/7</a:t>
-            </a:r>
-            <a:endParaRPr lang="en-US" altLang="ko-KR" sz="1000" b="1" dirty="0" smtClean="0">
-              <a:latin typeface="HY동녘M" pitchFamily="18" charset="-127"/>
-              <a:ea typeface="HY동녘M" pitchFamily="18" charset="-127"/>
-            </a:endParaRPr>
+              <a:t>0/7</a:t>
+            </a:r>
           </a:p>
         </p:txBody>
       </p:sp>
@@ -12937,6 +12908,210 @@
           <a:effectLst/>
         </p:spPr>
       </p:pic>
+      <p:sp>
+        <p:nvSpPr>
+          <p:cNvPr id="58" name="곱셈 기호 57"/>
+          <p:cNvSpPr/>
+          <p:nvPr/>
+        </p:nvSpPr>
+        <p:spPr>
+          <a:xfrm>
+            <a:off x="5857884" y="1357298"/>
+            <a:ext cx="500066" cy="285752"/>
+          </a:xfrm>
+          <a:prstGeom prst="mathMultiply">
+            <a:avLst/>
+          </a:prstGeom>
+          <a:solidFill>
+            <a:schemeClr val="accent3">
+              <a:lumMod val="75000"/>
+            </a:schemeClr>
+          </a:solidFill>
+        </p:spPr>
+        <p:style>
+          <a:lnRef idx="2">
+            <a:schemeClr val="accent1">
+              <a:shade val="50000"/>
+            </a:schemeClr>
+          </a:lnRef>
+          <a:fillRef idx="1">
+            <a:schemeClr val="accent1"/>
+          </a:fillRef>
+          <a:effectRef idx="0">
+            <a:schemeClr val="accent1"/>
+          </a:effectRef>
+          <a:fontRef idx="minor">
+            <a:schemeClr val="lt1"/>
+          </a:fontRef>
+        </p:style>
+        <p:txBody>
+          <a:bodyPr rtlCol="0" anchor="ctr"/>
+          <a:lstStyle/>
+          <a:p>
+            <a:pPr algn="ctr"/>
+            <a:r>
+              <a:rPr lang="en-US" altLang="ko-KR" sz="1000" b="1" dirty="0" smtClean="0">
+                <a:latin typeface="HY목각파임B" pitchFamily="18" charset="-127"/>
+                <a:ea typeface="HY목각파임B" pitchFamily="18" charset="-127"/>
+              </a:rPr>
+              <a:t>2</a:t>
+            </a:r>
+            <a:endParaRPr lang="ko-KR" altLang="en-US" sz="1000" b="1" dirty="0">
+              <a:latin typeface="HY목각파임B" pitchFamily="18" charset="-127"/>
+              <a:ea typeface="HY목각파임B" pitchFamily="18" charset="-127"/>
+            </a:endParaRPr>
+          </a:p>
+        </p:txBody>
+      </p:sp>
+      <p:sp>
+        <p:nvSpPr>
+          <p:cNvPr id="59" name="직사각형 58"/>
+          <p:cNvSpPr/>
+          <p:nvPr/>
+        </p:nvSpPr>
+        <p:spPr>
+          <a:xfrm>
+            <a:off x="5072066" y="1357298"/>
+            <a:ext cx="1214446" cy="285752"/>
+          </a:xfrm>
+          <a:prstGeom prst="rect">
+            <a:avLst/>
+          </a:prstGeom>
+          <a:noFill/>
+          <a:ln>
+            <a:noFill/>
+          </a:ln>
+        </p:spPr>
+        <p:style>
+          <a:lnRef idx="2">
+            <a:schemeClr val="accent1">
+              <a:shade val="50000"/>
+            </a:schemeClr>
+          </a:lnRef>
+          <a:fillRef idx="1">
+            <a:schemeClr val="accent1"/>
+          </a:fillRef>
+          <a:effectRef idx="0">
+            <a:schemeClr val="accent1"/>
+          </a:effectRef>
+          <a:fontRef idx="minor">
+            <a:schemeClr val="lt1"/>
+          </a:fontRef>
+        </p:style>
+        <p:txBody>
+          <a:bodyPr rtlCol="0" anchor="ctr"/>
+          <a:lstStyle/>
+          <a:p>
+            <a:pPr algn="ctr"/>
+            <a:r>
+              <a:rPr lang="ko-KR" altLang="en-US" sz="900" dirty="0" smtClean="0">
+                <a:latin typeface="HY목각파임B" pitchFamily="18" charset="-127"/>
+                <a:ea typeface="HY목각파임B" pitchFamily="18" charset="-127"/>
+              </a:rPr>
+              <a:t>게임속도</a:t>
+            </a:r>
+            <a:endParaRPr lang="ko-KR" altLang="en-US" sz="900" dirty="0">
+              <a:latin typeface="HY목각파임B" pitchFamily="18" charset="-127"/>
+              <a:ea typeface="HY목각파임B" pitchFamily="18" charset="-127"/>
+            </a:endParaRPr>
+          </a:p>
+        </p:txBody>
+      </p:sp>
+      <p:grpSp>
+        <p:nvGrpSpPr>
+          <p:cNvPr id="60" name="그룹 59"/>
+          <p:cNvGrpSpPr/>
+          <p:nvPr/>
+        </p:nvGrpSpPr>
+        <p:grpSpPr>
+          <a:xfrm>
+            <a:off x="6286512" y="1428736"/>
+            <a:ext cx="214314" cy="214314"/>
+            <a:chOff x="5143504" y="1571612"/>
+            <a:chExt cx="214314" cy="214314"/>
+          </a:xfrm>
+        </p:grpSpPr>
+        <p:sp>
+          <p:nvSpPr>
+            <p:cNvPr id="61" name="직사각형 60"/>
+            <p:cNvSpPr/>
+            <p:nvPr/>
+          </p:nvSpPr>
+          <p:spPr>
+            <a:xfrm>
+              <a:off x="5286380" y="1571612"/>
+              <a:ext cx="71438" cy="214314"/>
+            </a:xfrm>
+            <a:prstGeom prst="rect">
+              <a:avLst/>
+            </a:prstGeom>
+          </p:spPr>
+          <p:style>
+            <a:lnRef idx="2">
+              <a:schemeClr val="accent1">
+                <a:shade val="50000"/>
+              </a:schemeClr>
+            </a:lnRef>
+            <a:fillRef idx="1">
+              <a:schemeClr val="accent1"/>
+            </a:fillRef>
+            <a:effectRef idx="0">
+              <a:schemeClr val="accent1"/>
+            </a:effectRef>
+            <a:fontRef idx="minor">
+              <a:schemeClr val="lt1"/>
+            </a:fontRef>
+          </p:style>
+          <p:txBody>
+            <a:bodyPr rtlCol="0" anchor="ctr"/>
+            <a:lstStyle/>
+            <a:p>
+              <a:pPr algn="ctr"/>
+              <a:endParaRPr lang="ko-KR" altLang="en-US"/>
+            </a:p>
+          </p:txBody>
+        </p:sp>
+        <p:sp>
+          <p:nvSpPr>
+            <p:cNvPr id="62" name="직사각형 61"/>
+            <p:cNvSpPr/>
+            <p:nvPr/>
+          </p:nvSpPr>
+          <p:spPr>
+            <a:xfrm>
+              <a:off x="5143504" y="1571612"/>
+              <a:ext cx="71438" cy="214314"/>
+            </a:xfrm>
+            <a:prstGeom prst="rect">
+              <a:avLst/>
+            </a:prstGeom>
+          </p:spPr>
+          <p:style>
+            <a:lnRef idx="2">
+              <a:schemeClr val="accent1">
+                <a:shade val="50000"/>
+              </a:schemeClr>
+            </a:lnRef>
+            <a:fillRef idx="1">
+              <a:schemeClr val="accent1"/>
+            </a:fillRef>
+            <a:effectRef idx="0">
+              <a:schemeClr val="accent1"/>
+            </a:effectRef>
+            <a:fontRef idx="minor">
+              <a:schemeClr val="lt1"/>
+            </a:fontRef>
+          </p:style>
+          <p:txBody>
+            <a:bodyPr rtlCol="0" anchor="ctr"/>
+            <a:lstStyle/>
+            <a:p>
+              <a:pPr algn="ctr"/>
+              <a:endParaRPr lang="ko-KR" altLang="en-US"/>
+            </a:p>
+          </p:txBody>
+        </p:sp>
+      </p:grpSp>
     </p:spTree>
   </p:cSld>
   <p:clrMapOvr>
@@ -13376,7 +13551,7 @@
         </p:nvSpPr>
         <p:spPr>
           <a:xfrm>
-            <a:off x="6000760" y="1428736"/>
+            <a:off x="5786446" y="1357298"/>
             <a:ext cx="500066" cy="285752"/>
           </a:xfrm>
           <a:prstGeom prst="mathMultiply">
@@ -13431,7 +13606,7 @@
         </p:nvSpPr>
         <p:spPr>
           <a:xfrm>
-            <a:off x="5286380" y="1428736"/>
+            <a:off x="5072066" y="1357298"/>
             <a:ext cx="1071570" cy="285752"/>
           </a:xfrm>
           <a:prstGeom prst="rect">
@@ -15167,6 +15342,101 @@
           </a:p>
         </p:txBody>
       </p:sp>
+      <p:grpSp>
+        <p:nvGrpSpPr>
+          <p:cNvPr id="47" name="그룹 46"/>
+          <p:cNvGrpSpPr/>
+          <p:nvPr/>
+        </p:nvGrpSpPr>
+        <p:grpSpPr>
+          <a:xfrm>
+            <a:off x="6286512" y="1428736"/>
+            <a:ext cx="214314" cy="214314"/>
+            <a:chOff x="5143504" y="1571612"/>
+            <a:chExt cx="214314" cy="214314"/>
+          </a:xfrm>
+        </p:grpSpPr>
+        <p:sp>
+          <p:nvSpPr>
+            <p:cNvPr id="55" name="직사각형 54"/>
+            <p:cNvSpPr/>
+            <p:nvPr/>
+          </p:nvSpPr>
+          <p:spPr>
+            <a:xfrm>
+              <a:off x="5286380" y="1571612"/>
+              <a:ext cx="71438" cy="214314"/>
+            </a:xfrm>
+            <a:prstGeom prst="rect">
+              <a:avLst/>
+            </a:prstGeom>
+          </p:spPr>
+          <p:style>
+            <a:lnRef idx="2">
+              <a:schemeClr val="accent1">
+                <a:shade val="50000"/>
+              </a:schemeClr>
+            </a:lnRef>
+            <a:fillRef idx="1">
+              <a:schemeClr val="accent1"/>
+            </a:fillRef>
+            <a:effectRef idx="0">
+              <a:schemeClr val="accent1"/>
+            </a:effectRef>
+            <a:fontRef idx="minor">
+              <a:schemeClr val="lt1"/>
+            </a:fontRef>
+          </p:style>
+          <p:txBody>
+            <a:bodyPr rtlCol="0" anchor="ctr"/>
+            <a:lstStyle/>
+            <a:p>
+              <a:pPr algn="ctr"/>
+              <a:endParaRPr lang="ko-KR" altLang="en-US"/>
+            </a:p>
+          </p:txBody>
+        </p:sp>
+        <p:sp>
+          <p:nvSpPr>
+            <p:cNvPr id="56" name="직사각형 55"/>
+            <p:cNvSpPr/>
+            <p:nvPr/>
+          </p:nvSpPr>
+          <p:spPr>
+            <a:xfrm>
+              <a:off x="5143504" y="1571612"/>
+              <a:ext cx="71438" cy="214314"/>
+            </a:xfrm>
+            <a:prstGeom prst="rect">
+              <a:avLst/>
+            </a:prstGeom>
+          </p:spPr>
+          <p:style>
+            <a:lnRef idx="2">
+              <a:schemeClr val="accent1">
+                <a:shade val="50000"/>
+              </a:schemeClr>
+            </a:lnRef>
+            <a:fillRef idx="1">
+              <a:schemeClr val="accent1"/>
+            </a:fillRef>
+            <a:effectRef idx="0">
+              <a:schemeClr val="accent1"/>
+            </a:effectRef>
+            <a:fontRef idx="minor">
+              <a:schemeClr val="lt1"/>
+            </a:fontRef>
+          </p:style>
+          <p:txBody>
+            <a:bodyPr rtlCol="0" anchor="ctr"/>
+            <a:lstStyle/>
+            <a:p>
+              <a:pPr algn="ctr"/>
+              <a:endParaRPr lang="ko-KR" altLang="en-US"/>
+            </a:p>
+          </p:txBody>
+        </p:sp>
+      </p:grpSp>
     </p:spTree>
   </p:cSld>
   <p:clrMapOvr>
